--- a/Documents/Autonomia auto elettriche.pptx
+++ b/Documents/Autonomia auto elettriche.pptx
@@ -207,7 +207,7 @@
           <a:p>
             <a:fld id="{372059DB-D42F-4476-9993-707276FC2576}" type="datetimeFigureOut">
               <a:rPr lang="it-IT" smtClean="0"/>
-              <a:t>13/02/2025</a:t>
+              <a:t>14/02/2025</a:t>
             </a:fld>
             <a:endParaRPr lang="it-IT"/>
           </a:p>
@@ -613,7 +613,7 @@
           <a:p>
             <a:fld id="{7DA38F49-B3E2-4BF0-BEC7-C30D34ABBB8D}" type="datetime1">
               <a:rPr lang="en-US" smtClean="0"/>
-              <a:t>2/13/2025</a:t>
+              <a:t>2/14/2025</a:t>
             </a:fld>
             <a:endParaRPr lang="en-US"/>
           </a:p>
@@ -825,7 +825,7 @@
           <a:p>
             <a:fld id="{7DA38F49-B3E2-4BF0-BEC7-C30D34ABBB8D}" type="datetime1">
               <a:rPr lang="en-US" smtClean="0"/>
-              <a:t>2/13/2025</a:t>
+              <a:t>2/14/2025</a:t>
             </a:fld>
             <a:endParaRPr lang="en-US"/>
           </a:p>
@@ -1041,7 +1041,7 @@
           <a:p>
             <a:fld id="{7DA38F49-B3E2-4BF0-BEC7-C30D34ABBB8D}" type="datetime1">
               <a:rPr lang="en-US" smtClean="0"/>
-              <a:t>2/13/2025</a:t>
+              <a:t>2/14/2025</a:t>
             </a:fld>
             <a:endParaRPr lang="en-US"/>
           </a:p>
@@ -1243,7 +1243,7 @@
           <a:p>
             <a:fld id="{7DA38F49-B3E2-4BF0-BEC7-C30D34ABBB8D}" type="datetime1">
               <a:rPr lang="en-US" smtClean="0"/>
-              <a:t>2/13/2025</a:t>
+              <a:t>2/14/2025</a:t>
             </a:fld>
             <a:endParaRPr lang="en-US"/>
           </a:p>
@@ -1523,7 +1523,7 @@
           <a:p>
             <a:fld id="{7DA38F49-B3E2-4BF0-BEC7-C30D34ABBB8D}" type="datetime1">
               <a:rPr lang="en-US" smtClean="0"/>
-              <a:t>2/13/2025</a:t>
+              <a:t>2/14/2025</a:t>
             </a:fld>
             <a:endParaRPr lang="en-US"/>
           </a:p>
@@ -1792,7 +1792,7 @@
           <a:p>
             <a:fld id="{7DA38F49-B3E2-4BF0-BEC7-C30D34ABBB8D}" type="datetime1">
               <a:rPr lang="en-US" smtClean="0"/>
-              <a:t>2/13/2025</a:t>
+              <a:t>2/14/2025</a:t>
             </a:fld>
             <a:endParaRPr lang="en-US"/>
           </a:p>
@@ -2209,7 +2209,7 @@
           <a:p>
             <a:fld id="{7DA38F49-B3E2-4BF0-BEC7-C30D34ABBB8D}" type="datetime1">
               <a:rPr lang="en-US" smtClean="0"/>
-              <a:t>2/13/2025</a:t>
+              <a:t>2/14/2025</a:t>
             </a:fld>
             <a:endParaRPr lang="en-US"/>
           </a:p>
@@ -2359,7 +2359,7 @@
           <a:p>
             <a:fld id="{7DA38F49-B3E2-4BF0-BEC7-C30D34ABBB8D}" type="datetime1">
               <a:rPr lang="en-US" smtClean="0"/>
-              <a:t>2/13/2025</a:t>
+              <a:t>2/14/2025</a:t>
             </a:fld>
             <a:endParaRPr lang="en-US"/>
           </a:p>
@@ -2486,7 +2486,7 @@
           <a:p>
             <a:fld id="{7DA38F49-B3E2-4BF0-BEC7-C30D34ABBB8D}" type="datetime1">
               <a:rPr lang="en-US" smtClean="0"/>
-              <a:t>2/13/2025</a:t>
+              <a:t>2/14/2025</a:t>
             </a:fld>
             <a:endParaRPr lang="en-US"/>
           </a:p>
@@ -2738,7 +2738,7 @@
           <a:p>
             <a:fld id="{7DA38F49-B3E2-4BF0-BEC7-C30D34ABBB8D}" type="datetime1">
               <a:rPr lang="en-US" smtClean="0"/>
-              <a:t>2/13/2025</a:t>
+              <a:t>2/14/2025</a:t>
             </a:fld>
             <a:endParaRPr lang="en-US"/>
           </a:p>
@@ -3184,7 +3184,7 @@
           <a:p>
             <a:fld id="{7DA38F49-B3E2-4BF0-BEC7-C30D34ABBB8D}" type="datetime1">
               <a:rPr lang="en-US" smtClean="0"/>
-              <a:t>2/13/2025</a:t>
+              <a:t>2/14/2025</a:t>
             </a:fld>
             <a:endParaRPr lang="en-US"/>
           </a:p>
@@ -3512,7 +3512,7 @@
           <a:p>
             <a:fld id="{7DA38F49-B3E2-4BF0-BEC7-C30D34ABBB8D}" type="datetime1">
               <a:rPr lang="en-US" smtClean="0"/>
-              <a:t>2/13/2025</a:t>
+              <a:t>2/14/2025</a:t>
             </a:fld>
             <a:endParaRPr lang="en-US"/>
           </a:p>
@@ -4539,12 +4539,8 @@
           <a:lstStyle/>
           <a:p>
             <a:r>
-              <a:rPr lang="it-IT" dirty="0" err="1"/>
-              <a:t>Risulatati</a:t>
-            </a:r>
-            <a:r>
               <a:rPr lang="it-IT" dirty="0"/>
-              <a:t> e analisi</a:t>
+              <a:t>Risultati e analisi</a:t>
             </a:r>
           </a:p>
         </p:txBody>
@@ -7067,7 +7063,15 @@
             </a:pPr>
             <a:r>
               <a:rPr lang="it-IT" sz="1600" dirty="0"/>
-              <a:t>Dopo aver esaminato il dataset Car Price sono state eseguite le seguenti operazioni:</a:t>
+              <a:t>Dopo aver esaminato il dataset Electric </a:t>
+            </a:r>
+            <a:r>
+              <a:rPr lang="it-IT" sz="1600" dirty="0" err="1"/>
+              <a:t>Vehicle</a:t>
+            </a:r>
+            <a:r>
+              <a:rPr lang="it-IT" sz="1600" dirty="0"/>
+              <a:t> sono state eseguite le seguenti operazioni:</a:t>
             </a:r>
           </a:p>
           <a:p>
@@ -7749,49 +7753,56 @@
             <p:ph idx="1"/>
             <p:extLst>
               <p:ext uri="{D42A27DB-BD31-4B8C-83A1-F6EECF244321}">
-                <p14:modId xmlns:p14="http://schemas.microsoft.com/office/powerpoint/2010/main" val="3024034229"/>
+                <p14:modId xmlns:p14="http://schemas.microsoft.com/office/powerpoint/2010/main" val="3295082536"/>
               </p:ext>
             </p:extLst>
           </p:nvPr>
         </p:nvGraphicFramePr>
         <p:xfrm>
           <a:off x="1451577" y="2016125"/>
-          <a:ext cx="9603275" cy="3449638"/>
+          <a:ext cx="9603276" cy="3449638"/>
         </p:xfrm>
         <a:graphic>
           <a:graphicData uri="http://schemas.openxmlformats.org/drawingml/2006/table">
             <a:tbl>
               <a:tblPr/>
               <a:tblGrid>
-                <a:gridCol w="1920655">
+                <a:gridCol w="1600546">
                   <a:extLst>
                     <a:ext uri="{9D8B030D-6E8A-4147-A177-3AD203B41FA5}">
                       <a16:colId xmlns:a16="http://schemas.microsoft.com/office/drawing/2014/main" val="167284800"/>
                     </a:ext>
                   </a:extLst>
                 </a:gridCol>
-                <a:gridCol w="1920655">
+                <a:gridCol w="1600546">
                   <a:extLst>
                     <a:ext uri="{9D8B030D-6E8A-4147-A177-3AD203B41FA5}">
                       <a16:colId xmlns:a16="http://schemas.microsoft.com/office/drawing/2014/main" val="1674961004"/>
                     </a:ext>
                   </a:extLst>
                 </a:gridCol>
-                <a:gridCol w="1920655">
+                <a:gridCol w="1600546">
                   <a:extLst>
                     <a:ext uri="{9D8B030D-6E8A-4147-A177-3AD203B41FA5}">
                       <a16:colId xmlns:a16="http://schemas.microsoft.com/office/drawing/2014/main" val="3942658117"/>
                     </a:ext>
                   </a:extLst>
                 </a:gridCol>
-                <a:gridCol w="1920655">
+                <a:gridCol w="1600546">
                   <a:extLst>
                     <a:ext uri="{9D8B030D-6E8A-4147-A177-3AD203B41FA5}">
                       <a16:colId xmlns:a16="http://schemas.microsoft.com/office/drawing/2014/main" val="35709757"/>
                     </a:ext>
                   </a:extLst>
                 </a:gridCol>
-                <a:gridCol w="1920655">
+                <a:gridCol w="1600546">
+                  <a:extLst>
+                    <a:ext uri="{9D8B030D-6E8A-4147-A177-3AD203B41FA5}">
+                      <a16:colId xmlns:a16="http://schemas.microsoft.com/office/drawing/2014/main" val="470333200"/>
+                    </a:ext>
+                  </a:extLst>
+                </a:gridCol>
+                <a:gridCol w="1600546">
                   <a:extLst>
                     <a:ext uri="{9D8B030D-6E8A-4147-A177-3AD203B41FA5}">
                       <a16:colId xmlns:a16="http://schemas.microsoft.com/office/drawing/2014/main" val="33790735"/>
@@ -7893,7 +7904,7 @@
                         </a:spcAft>
                       </a:pPr>
                       <a:r>
-                        <a:rPr lang="it-IT" sz="1200" b="1" i="0" u="none" strike="noStrike">
+                        <a:rPr lang="it-IT" sz="1200" b="1" i="0" u="none" strike="noStrike" dirty="0">
                           <a:solidFill>
                             <a:srgbClr val="000000"/>
                           </a:solidFill>
@@ -7902,7 +7913,7 @@
                         </a:rPr>
                         <a:t>MSE</a:t>
                       </a:r>
-                      <a:endParaRPr lang="it-IT" sz="1500">
+                      <a:endParaRPr lang="it-IT" sz="1500" dirty="0">
                         <a:effectLst/>
                       </a:endParaRPr>
                     </a:p>
@@ -7934,7 +7945,60 @@
                         </a:spcAft>
                       </a:pPr>
                       <a:r>
-                        <a:rPr lang="it-IT" sz="1200" b="1" i="0" u="none" strike="noStrike">
+                        <a:rPr lang="it-IT" sz="1200" b="1" i="0" u="none" strike="noStrike" dirty="0">
+                          <a:solidFill>
+                            <a:srgbClr val="000000"/>
+                          </a:solidFill>
+                          <a:effectLst/>
+                          <a:latin typeface="Aptos" panose="020B0004020202020204" pitchFamily="34" charset="0"/>
+                        </a:rPr>
+                        <a:t>RMSE</a:t>
+                      </a:r>
+                      <a:endParaRPr lang="it-IT" sz="1500" dirty="0">
+                        <a:effectLst/>
+                      </a:endParaRPr>
+                    </a:p>
+                  </a:txBody>
+                  <a:tcPr marL="54652" marR="54652" marT="54652" marB="54652">
+                    <a:lnL>
+                      <a:noFill/>
+                    </a:lnL>
+                    <a:lnR>
+                      <a:noFill/>
+                    </a:lnR>
+                    <a:lnT>
+                      <a:noFill/>
+                    </a:lnT>
+                    <a:lnB>
+                      <a:noFill/>
+                    </a:lnB>
+                    <a:noFill/>
+                  </a:tcPr>
+                </a:tc>
+                <a:tc>
+                  <a:txBody>
+                    <a:bodyPr/>
+                    <a:lstStyle/>
+                    <a:p>
+                      <a:pPr marL="0" marR="0" lvl="0" indent="0" algn="ctr" defTabSz="914400" rtl="0" eaLnBrk="1" fontAlgn="t" latinLnBrk="0" hangingPunct="1">
+                        <a:lnSpc>
+                          <a:spcPct val="100000"/>
+                        </a:lnSpc>
+                        <a:spcBef>
+                          <a:spcPts val="0"/>
+                        </a:spcBef>
+                        <a:spcAft>
+                          <a:spcPts val="800"/>
+                        </a:spcAft>
+                        <a:buClrTx/>
+                        <a:buSzTx/>
+                        <a:buFontTx/>
+                        <a:buNone/>
+                        <a:tabLst/>
+                        <a:defRPr/>
+                      </a:pPr>
+                      <a:r>
+                        <a:rPr lang="it-IT" sz="1200" b="1" i="0" u="none" strike="noStrike" dirty="0">
                           <a:solidFill>
                             <a:srgbClr val="000000"/>
                           </a:solidFill>
@@ -7943,7 +8007,17 @@
                         </a:rPr>
                         <a:t>R² Score</a:t>
                       </a:r>
-                      <a:endParaRPr lang="it-IT" sz="1500">
+                      <a:endParaRPr lang="it-IT" sz="1200" dirty="0">
+                        <a:effectLst/>
+                      </a:endParaRPr>
+                    </a:p>
+                    <a:p>
+                      <a:pPr algn="ctr" rtl="0" fontAlgn="t">
+                        <a:spcAft>
+                          <a:spcPts val="800"/>
+                        </a:spcAft>
+                      </a:pPr>
+                      <a:endParaRPr lang="it-IT" sz="1500" dirty="0">
                         <a:effectLst/>
                       </a:endParaRPr>
                     </a:p>
@@ -8146,18 +8220,52 @@
                         </a:spcAft>
                       </a:pPr>
                       <a:r>
-                        <a:rPr lang="it-IT" sz="1200" b="0" i="0" u="none" strike="noStrike">
+                        <a:rPr lang="it-IT" sz="1200" b="0" i="0" u="none" strike="noStrike" dirty="0">
                           <a:solidFill>
                             <a:srgbClr val="000000"/>
                           </a:solidFill>
                           <a:effectLst/>
                           <a:latin typeface="Aptos" panose="020B0004020202020204" pitchFamily="34" charset="0"/>
                         </a:rPr>
+                        <a:t>12.44</a:t>
+                      </a:r>
+                      <a:endParaRPr lang="it-IT" sz="1500" dirty="0">
+                        <a:effectLst/>
+                      </a:endParaRPr>
+                    </a:p>
+                  </a:txBody>
+                  <a:tcPr marL="54652" marR="54652" marT="54652" marB="54652">
+                    <a:lnL>
+                      <a:noFill/>
+                    </a:lnL>
+                    <a:lnR>
+                      <a:noFill/>
+                    </a:lnR>
+                    <a:lnT>
+                      <a:noFill/>
+                    </a:lnT>
+                    <a:lnB>
+                      <a:noFill/>
+                    </a:lnB>
+                    <a:noFill/>
+                  </a:tcPr>
+                </a:tc>
+                <a:tc>
+                  <a:txBody>
+                    <a:bodyPr/>
+                    <a:lstStyle/>
+                    <a:p>
+                      <a:pPr rtl="0" fontAlgn="t">
+                        <a:spcAft>
+                          <a:spcPts val="800"/>
+                        </a:spcAft>
+                      </a:pPr>
+                      <a:r>
+                        <a:rPr lang="it-IT" sz="1500" dirty="0">
+                          <a:effectLst/>
+                        </a:rPr>
                         <a:t>0.98</a:t>
                       </a:r>
-                      <a:endParaRPr lang="it-IT" sz="1500">
-                        <a:effectLst/>
-                      </a:endParaRPr>
                     </a:p>
                   </a:txBody>
                   <a:tcPr marL="54652" marR="54652" marT="54652" marB="54652">
@@ -8358,18 +8466,52 @@
                         </a:spcAft>
                       </a:pPr>
                       <a:r>
-                        <a:rPr lang="it-IT" sz="1200" b="0" i="0" u="none" strike="noStrike">
+                        <a:rPr lang="it-IT" sz="1200" b="0" i="0" u="none" strike="noStrike" dirty="0">
                           <a:solidFill>
                             <a:srgbClr val="000000"/>
                           </a:solidFill>
                           <a:effectLst/>
                           <a:latin typeface="Aptos" panose="020B0004020202020204" pitchFamily="34" charset="0"/>
                         </a:rPr>
+                        <a:t>9.59</a:t>
+                      </a:r>
+                      <a:endParaRPr lang="it-IT" sz="1500" dirty="0">
+                        <a:effectLst/>
+                      </a:endParaRPr>
+                    </a:p>
+                  </a:txBody>
+                  <a:tcPr marL="54652" marR="54652" marT="54652" marB="54652">
+                    <a:lnL>
+                      <a:noFill/>
+                    </a:lnL>
+                    <a:lnR>
+                      <a:noFill/>
+                    </a:lnR>
+                    <a:lnT>
+                      <a:noFill/>
+                    </a:lnT>
+                    <a:lnB>
+                      <a:noFill/>
+                    </a:lnB>
+                    <a:noFill/>
+                  </a:tcPr>
+                </a:tc>
+                <a:tc>
+                  <a:txBody>
+                    <a:bodyPr/>
+                    <a:lstStyle/>
+                    <a:p>
+                      <a:pPr rtl="0" fontAlgn="t">
+                        <a:spcAft>
+                          <a:spcPts val="800"/>
+                        </a:spcAft>
+                      </a:pPr>
+                      <a:r>
+                        <a:rPr lang="it-IT" sz="1500" dirty="0">
+                          <a:effectLst/>
+                        </a:rPr>
                         <a:t>0.99</a:t>
                       </a:r>
-                      <a:endParaRPr lang="it-IT" sz="1500">
-                        <a:effectLst/>
-                      </a:endParaRPr>
                     </a:p>
                   </a:txBody>
                   <a:tcPr marL="54652" marR="54652" marT="54652" marB="54652">
@@ -8656,12 +8798,8 @@
           <a:lstStyle/>
           <a:p>
             <a:r>
-              <a:rPr lang="it-IT" dirty="0" err="1"/>
-              <a:t>Risulatati</a:t>
-            </a:r>
-            <a:r>
               <a:rPr lang="it-IT" dirty="0"/>
-              <a:t> e analisi</a:t>
+              <a:t>Risultati e analisi</a:t>
             </a:r>
           </a:p>
         </p:txBody>
@@ -8684,7 +8822,7 @@
         </p:nvSpPr>
         <p:spPr>
           <a:xfrm>
-            <a:off x="1451579" y="2015732"/>
+            <a:off x="1451578" y="1894863"/>
             <a:ext cx="9603275" cy="2193197"/>
           </a:xfrm>
         </p:spPr>
@@ -8979,6 +9117,72 @@
               <a:t>, quindi il modello fa meno errori grandi.</a:t>
             </a:r>
           </a:p>
+          <a:p>
+            <a:pPr marL="0" indent="0" rtl="0" fontAlgn="base">
+              <a:lnSpc>
+                <a:spcPct val="100000"/>
+              </a:lnSpc>
+              <a:spcAft>
+                <a:spcPts val="1200"/>
+              </a:spcAft>
+              <a:buNone/>
+            </a:pPr>
+            <a:r>
+              <a:rPr lang="it-IT" sz="1400" dirty="0"/>
+              <a:t>Il </a:t>
+            </a:r>
+            <a:r>
+              <a:rPr lang="it-IT" sz="1400" b="1" dirty="0"/>
+              <a:t>RMSE </a:t>
+            </a:r>
+            <a:r>
+              <a:rPr lang="it-IT" sz="1400" dirty="0"/>
+              <a:t>(Root Mean </a:t>
+            </a:r>
+            <a:r>
+              <a:rPr lang="it-IT" sz="1400" dirty="0" err="1"/>
+              <a:t>Squared</a:t>
+            </a:r>
+            <a:r>
+              <a:rPr lang="it-IT" sz="1400" dirty="0"/>
+              <a:t> </a:t>
+            </a:r>
+            <a:r>
+              <a:rPr lang="it-IT" sz="1400" dirty="0" err="1"/>
+              <a:t>Error</a:t>
+            </a:r>
+            <a:r>
+              <a:rPr lang="it-IT" sz="1400" dirty="0"/>
+              <a:t>) misura l'errore medio quadratico in unità reali e indica quanto le predizioni si discostano dai valori reali. </a:t>
+            </a:r>
+            <a:r>
+              <a:rPr lang="it-IT" sz="1400" b="1" dirty="0" err="1"/>
+              <a:t>Decision</a:t>
+            </a:r>
+            <a:r>
+              <a:rPr lang="it-IT" sz="1400" b="1" dirty="0"/>
+              <a:t> Tree </a:t>
+            </a:r>
+            <a:r>
+              <a:rPr lang="it-IT" sz="1400" dirty="0"/>
+              <a:t>ha un RMSE più basso, suggerendo che in questo caso le sue predizioni sono più vicine ai valori reali rispetto a Random </a:t>
+            </a:r>
+            <a:r>
+              <a:rPr lang="it-IT" sz="1400" dirty="0" err="1"/>
+              <a:t>Forest</a:t>
+            </a:r>
+            <a:r>
+              <a:rPr lang="it-IT" sz="1400" dirty="0"/>
+              <a:t>.</a:t>
+            </a:r>
+            <a:endParaRPr lang="it-IT" sz="1600" b="0" i="0" u="none" strike="noStrike" dirty="0">
+              <a:solidFill>
+                <a:srgbClr val="000000"/>
+              </a:solidFill>
+              <a:effectLst/>
+              <a:latin typeface="Aptos" panose="020B0004020202020204" pitchFamily="34" charset="0"/>
+            </a:endParaRPr>
+          </a:p>
         </p:txBody>
       </p:sp>
       <p:sp>
@@ -8997,7 +9201,7 @@
         </p:nvSpPr>
         <p:spPr>
           <a:xfrm>
-            <a:off x="1451578" y="4208930"/>
+            <a:off x="1362240" y="4907868"/>
             <a:ext cx="9603275" cy="1519518"/>
           </a:xfrm>
           <a:prstGeom prst="rect">
